--- a/Presentations/MutaCraft Presentation.pptx
+++ b/Presentations/MutaCraft Presentation.pptx
@@ -14,14 +14,14 @@
     <p:sldId id="273" r:id="rId8"/>
     <p:sldId id="256" r:id="rId9"/>
     <p:sldId id="257" r:id="rId10"/>
-    <p:sldId id="258" r:id="rId11"/>
+    <p:sldId id="276" r:id="rId11"/>
     <p:sldId id="259" r:id="rId12"/>
     <p:sldId id="260" r:id="rId13"/>
     <p:sldId id="261" r:id="rId14"/>
     <p:sldId id="262" r:id="rId15"/>
-    <p:sldId id="263" r:id="rId16"/>
-    <p:sldId id="264" r:id="rId17"/>
-    <p:sldId id="265" r:id="rId18"/>
+    <p:sldId id="275" r:id="rId16"/>
+    <p:sldId id="263" r:id="rId17"/>
+    <p:sldId id="264" r:id="rId18"/>
     <p:sldId id="266" r:id="rId19"/>
   </p:sldIdLst>
   <p:sldSz cx="12192000" cy="6858000"/>
@@ -319,7 +319,7 @@
           <a:p>
             <a:fld id="{5BCAD085-E8A6-8845-BD4E-CB4CCA059FC4}" type="datetimeFigureOut">
               <a:rPr lang="en-US" smtClean="0"/>
-              <a:t>11/1/2025</a:t>
+              <a:t>11/6/2025</a:t>
             </a:fld>
             <a:endParaRPr lang="en-US"/>
           </a:p>
@@ -487,7 +487,7 @@
           <a:p>
             <a:fld id="{5BCAD085-E8A6-8845-BD4E-CB4CCA059FC4}" type="datetimeFigureOut">
               <a:rPr lang="en-US" smtClean="0"/>
-              <a:t>11/1/2025</a:t>
+              <a:t>11/6/2025</a:t>
             </a:fld>
             <a:endParaRPr lang="en-US"/>
           </a:p>
@@ -665,7 +665,7 @@
           <a:p>
             <a:fld id="{5BCAD085-E8A6-8845-BD4E-CB4CCA059FC4}" type="datetimeFigureOut">
               <a:rPr lang="en-US" smtClean="0"/>
-              <a:t>11/1/2025</a:t>
+              <a:t>11/6/2025</a:t>
             </a:fld>
             <a:endParaRPr lang="en-US"/>
           </a:p>
@@ -833,7 +833,7 @@
           <a:p>
             <a:fld id="{5BCAD085-E8A6-8845-BD4E-CB4CCA059FC4}" type="datetimeFigureOut">
               <a:rPr lang="en-US" smtClean="0"/>
-              <a:t>11/1/2025</a:t>
+              <a:t>11/6/2025</a:t>
             </a:fld>
             <a:endParaRPr lang="en-US"/>
           </a:p>
@@ -1078,7 +1078,7 @@
           <a:p>
             <a:fld id="{5BCAD085-E8A6-8845-BD4E-CB4CCA059FC4}" type="datetimeFigureOut">
               <a:rPr lang="en-US" smtClean="0"/>
-              <a:t>11/1/2025</a:t>
+              <a:t>11/6/2025</a:t>
             </a:fld>
             <a:endParaRPr lang="en-US"/>
           </a:p>
@@ -1363,7 +1363,7 @@
           <a:p>
             <a:fld id="{5BCAD085-E8A6-8845-BD4E-CB4CCA059FC4}" type="datetimeFigureOut">
               <a:rPr lang="en-US" smtClean="0"/>
-              <a:t>11/1/2025</a:t>
+              <a:t>11/6/2025</a:t>
             </a:fld>
             <a:endParaRPr lang="en-US"/>
           </a:p>
@@ -1782,7 +1782,7 @@
           <a:p>
             <a:fld id="{5BCAD085-E8A6-8845-BD4E-CB4CCA059FC4}" type="datetimeFigureOut">
               <a:rPr lang="en-US" smtClean="0"/>
-              <a:t>11/1/2025</a:t>
+              <a:t>11/6/2025</a:t>
             </a:fld>
             <a:endParaRPr lang="en-US"/>
           </a:p>
@@ -1899,7 +1899,7 @@
           <a:p>
             <a:fld id="{5BCAD085-E8A6-8845-BD4E-CB4CCA059FC4}" type="datetimeFigureOut">
               <a:rPr lang="en-US" smtClean="0"/>
-              <a:t>11/1/2025</a:t>
+              <a:t>11/6/2025</a:t>
             </a:fld>
             <a:endParaRPr lang="en-US"/>
           </a:p>
@@ -1994,7 +1994,7 @@
           <a:p>
             <a:fld id="{5BCAD085-E8A6-8845-BD4E-CB4CCA059FC4}" type="datetimeFigureOut">
               <a:rPr lang="en-US" smtClean="0"/>
-              <a:t>11/1/2025</a:t>
+              <a:t>11/6/2025</a:t>
             </a:fld>
             <a:endParaRPr lang="en-US"/>
           </a:p>
@@ -2269,7 +2269,7 @@
           <a:p>
             <a:fld id="{5BCAD085-E8A6-8845-BD4E-CB4CCA059FC4}" type="datetimeFigureOut">
               <a:rPr lang="en-US" smtClean="0"/>
-              <a:t>11/1/2025</a:t>
+              <a:t>11/6/2025</a:t>
             </a:fld>
             <a:endParaRPr lang="en-US"/>
           </a:p>
@@ -2521,7 +2521,7 @@
           <a:p>
             <a:fld id="{5BCAD085-E8A6-8845-BD4E-CB4CCA059FC4}" type="datetimeFigureOut">
               <a:rPr lang="en-US" smtClean="0"/>
-              <a:t>11/1/2025</a:t>
+              <a:t>11/6/2025</a:t>
             </a:fld>
             <a:endParaRPr lang="en-US"/>
           </a:p>
@@ -2732,7 +2732,7 @@
           <a:p>
             <a:fld id="{5BCAD085-E8A6-8845-BD4E-CB4CCA059FC4}" type="datetimeFigureOut">
               <a:rPr lang="en-US" smtClean="0"/>
-              <a:t>11/1/2025</a:t>
+              <a:t>11/6/2025</a:t>
             </a:fld>
             <a:endParaRPr lang="en-US"/>
           </a:p>
@@ -3159,7 +3159,7 @@
           <a:p>
             <a:r>
               <a:rPr lang="en-SG" b="1" dirty="0"/>
-              <a:t>Hybrid ‘Seed + De Novo’ Binder Generation</a:t>
+              <a:t>Hybrid ‘Mutation + De Novo’ Binder Generation</a:t>
             </a:r>
             <a:endParaRPr lang="en-SG" dirty="0"/>
           </a:p>
@@ -3200,7 +3200,13 @@
       </p:grpSpPr>
       <p:sp>
         <p:nvSpPr>
-          <p:cNvPr id="2" name="Title 1"/>
+          <p:cNvPr id="2" name="Title 1">
+            <a:extLst>
+              <a:ext uri="{FF2B5EF4-FFF2-40B4-BE49-F238E27FC236}">
+                <a16:creationId xmlns:a16="http://schemas.microsoft.com/office/drawing/2014/main" id="{18F63F42-B7C5-CBD3-4B6C-A46C53C4EC83}"/>
+              </a:ext>
+            </a:extLst>
+          </p:cNvPr>
           <p:cNvSpPr>
             <a:spLocks noGrp="1"/>
           </p:cNvSpPr>
@@ -3214,14 +3220,26 @@
           <a:lstStyle/>
           <a:p>
             <a:r>
-              <a:t>Inputs &amp; Layout</a:t>
-            </a:r>
-          </a:p>
-        </p:txBody>
-      </p:sp>
-      <p:sp>
-        <p:nvSpPr>
-          <p:cNvPr id="3" name="Content Placeholder 2"/>
+              <a:rPr lang="en-SG" dirty="0"/>
+              <a:t>New additions that are not in </a:t>
+            </a:r>
+            <a:r>
+              <a:rPr lang="en-SG" dirty="0" err="1"/>
+              <a:t>BindCraft</a:t>
+            </a:r>
+            <a:endParaRPr lang="en-SG" dirty="0"/>
+          </a:p>
+        </p:txBody>
+      </p:sp>
+      <p:sp>
+        <p:nvSpPr>
+          <p:cNvPr id="3" name="Content Placeholder 2">
+            <a:extLst>
+              <a:ext uri="{FF2B5EF4-FFF2-40B4-BE49-F238E27FC236}">
+                <a16:creationId xmlns:a16="http://schemas.microsoft.com/office/drawing/2014/main" id="{C235D10E-75C8-26DA-7184-01ED9BAF51A1}"/>
+              </a:ext>
+            </a:extLst>
+          </p:cNvPr>
           <p:cNvSpPr>
             <a:spLocks noGrp="1"/>
           </p:cNvSpPr>
@@ -3231,43 +3249,136 @@
         </p:nvSpPr>
         <p:spPr/>
         <p:txBody>
-          <a:bodyPr/>
-          <a:lstStyle/>
-          <a:p>
-            <a:pPr>
-              <a:defRPr sz="1800"/>
-            </a:pPr>
-            <a:r>
-              <a:t>InputTargets/ stores both the receptor (`HumanLysozyme.pdb`) and the template binder (`HL6_camel_VHH_fragment.pdb`), so paths are edited once in the configuration cell.</a:t>
-            </a:r>
-          </a:p>
-          <a:p>
-            <a:pPr>
-              <a:defRPr sz="1800"/>
-            </a:pPr>
-            <a:r>
-              <a:t>Each run writes outputs to Results/MutaCraft/&lt;run_name&gt;/ (e.g., `HL6_VHH_run`), keeping FASTA, PDB, and metrics.csv grouped per experiment.</a:t>
-            </a:r>
-          </a:p>
-          <a:p>
-            <a:pPr>
-              <a:defRPr sz="1800"/>
-            </a:pPr>
-            <a:r>
-              <a:t>AlphaFold2 weights are loaded from `bindcraft/params/`, eliminating repeated downloads and ensuring consistent model availability.</a:t>
-            </a:r>
-          </a:p>
-          <a:p>
-            <a:pPr>
-              <a:defRPr sz="1800"/>
-            </a:pPr>
-            <a:r>
-              <a:t>Notebook controls let you specify binder/target chains, guided fraction, KL settings, and iteration counts without modifying ColabDesign internals.</a:t>
-            </a:r>
+          <a:bodyPr>
+            <a:normAutofit fontScale="70000" lnSpcReduction="20000"/>
+          </a:bodyPr>
+          <a:lstStyle/>
+          <a:p>
+            <a:r>
+              <a:rPr lang="en-US" dirty="0"/>
+              <a:t>Hybrid </a:t>
+            </a:r>
+            <a:r>
+              <a:rPr lang="en-US" dirty="0" err="1"/>
+              <a:t>initialisation</a:t>
+            </a:r>
+            <a:r>
+              <a:rPr lang="en-US" dirty="0"/>
+              <a:t>: Stage 1 mixes seed logits with random noise according to the guided mask and </a:t>
+            </a:r>
+            <a:r>
+              <a:rPr lang="en-SG" dirty="0"/>
+              <a:t> </a:t>
+            </a:r>
+            <a:r>
+              <a:rPr lang="en-SG" i="1" dirty="0" err="1"/>
+              <a:t>guided_seed_ratio</a:t>
+            </a:r>
+            <a:r>
+              <a:rPr lang="en-US" dirty="0"/>
+              <a:t>. Standard </a:t>
+            </a:r>
+            <a:r>
+              <a:rPr lang="en-US" dirty="0" err="1"/>
+              <a:t>BindCraft</a:t>
+            </a:r>
+            <a:r>
+              <a:rPr lang="en-US" dirty="0"/>
+              <a:t> doesn’t do this seed/random blending.</a:t>
+            </a:r>
+          </a:p>
+          <a:p>
+            <a:r>
+              <a:rPr lang="en-US" dirty="0"/>
+              <a:t>Guided mask + KL prior: We can designate a fraction of residues as guided; for those, a Kullback-Leibler (KL) </a:t>
+            </a:r>
+            <a:r>
+              <a:rPr lang="en-US" dirty="0" err="1"/>
+              <a:t>regularisation</a:t>
+            </a:r>
+            <a:r>
+              <a:rPr lang="en-US" dirty="0"/>
+              <a:t> term keeps the distribution near the seed early on. </a:t>
+            </a:r>
+            <a:r>
+              <a:rPr lang="en-US" dirty="0" err="1"/>
+              <a:t>BindCraft</a:t>
+            </a:r>
+            <a:r>
+              <a:rPr lang="en-US" dirty="0"/>
+              <a:t> doesn’t have this seed-preserving prior.</a:t>
+            </a:r>
+          </a:p>
+          <a:p>
+            <a:r>
+              <a:rPr lang="en-SG" i="1" dirty="0" err="1"/>
+              <a:t>guided_seed_ratio_schedule</a:t>
+            </a:r>
+            <a:r>
+              <a:rPr lang="en-SG" i="1" dirty="0"/>
+              <a:t> </a:t>
+            </a:r>
+            <a:r>
+              <a:rPr lang="en-US" dirty="0"/>
+              <a:t>controls: The linear decay between </a:t>
+            </a:r>
+            <a:r>
+              <a:rPr lang="en-SG" i="1" dirty="0"/>
+              <a:t>GUIDED_SEED_RATIO_START </a:t>
+            </a:r>
+            <a:r>
+              <a:rPr lang="en-US" dirty="0"/>
+              <a:t>and </a:t>
+            </a:r>
+            <a:r>
+              <a:rPr lang="en-SG" i="1" dirty="0"/>
+              <a:t>GUIDED_SEED_RATIO_END </a:t>
+            </a:r>
+            <a:r>
+              <a:rPr lang="en-US" dirty="0"/>
+              <a:t>that switches guided positions from seed-heavy to more random over Stage 1.</a:t>
+            </a:r>
+          </a:p>
+          <a:p>
+            <a:r>
+              <a:rPr lang="en-US" dirty="0"/>
+              <a:t>Stage 4 seed bias option: Semi-greedy mutations can bias proposals toward seed residues on guided positions (</a:t>
+            </a:r>
+            <a:r>
+              <a:rPr lang="en-US" i="1" dirty="0"/>
+              <a:t>BIAS_STAGE4</a:t>
+            </a:r>
+            <a:r>
+              <a:rPr lang="en-US" dirty="0"/>
+              <a:t>). That gives the hybrid design a way to gently revert toward the seed when sampling. The default </a:t>
+            </a:r>
+            <a:r>
+              <a:rPr lang="en-US" dirty="0" err="1"/>
+              <a:t>BindCraft</a:t>
+            </a:r>
+            <a:r>
+              <a:rPr lang="en-US" dirty="0"/>
+              <a:t> stage doesn’t incorporate seed-aware sampling.</a:t>
+            </a:r>
+            <a:br>
+              <a:rPr lang="en-US" dirty="0"/>
+            </a:br>
+            <a:br>
+              <a:rPr lang="en-US" dirty="0"/>
+            </a:br>
+            <a:br>
+              <a:rPr lang="en-US" dirty="0"/>
+            </a:br>
+            <a:endParaRPr lang="en-SG" dirty="0"/>
           </a:p>
         </p:txBody>
       </p:sp>
     </p:spTree>
+    <p:extLst>
+      <p:ext uri="{BB962C8B-B14F-4D97-AF65-F5344CB8AC3E}">
+        <p14:creationId xmlns:p14="http://schemas.microsoft.com/office/powerpoint/2010/main" val="1715066056"/>
+      </p:ext>
+    </p:extLst>
   </p:cSld>
   <p:clrMapOvr>
     <a:masterClrMapping/>
@@ -3333,7 +3444,7 @@
             </a:pPr>
             <a:r>
               <a:rPr dirty="0"/>
-              <a:t>Extract the template sequence from selected chains and trim/pad it to match the binder slot that AlphaFold dynamically allocates (the notebook prints both requested and actual lengths).</a:t>
+              <a:t>Extract the template sequence from selected chains and trim/pad it to match the binder slot that AlphaFold dynamically allocates (prints both requested and actual lengths).</a:t>
             </a:r>
           </a:p>
           <a:p>
@@ -3468,7 +3579,24 @@
               <a:defRPr sz="1800"/>
             </a:pPr>
             <a:r>
-              <a:t>`guided_mask` randomly marks a user-defined fraction of residues (default 50%) as protected; these positions start near the template and receive KL regularization early on.</a:t>
+              <a:rPr lang="en-US" sz="1800" dirty="0"/>
+              <a:t>Logits are the raw, </a:t>
+            </a:r>
+            <a:r>
+              <a:rPr lang="en-US" sz="1800" dirty="0" err="1"/>
+              <a:t>unnormalised</a:t>
+            </a:r>
+            <a:r>
+              <a:rPr lang="en-US" sz="1800" dirty="0"/>
+              <a:t> scores output by a model before applying a </a:t>
+            </a:r>
+            <a:r>
+              <a:rPr lang="en-US" sz="1800" dirty="0" err="1"/>
+              <a:t>softmax</a:t>
+            </a:r>
+            <a:r>
+              <a:rPr lang="en-US" sz="1800" dirty="0"/>
+              <a:t>. For each position in the sequence, we have a 20-dimensional logit vector (one score per amino acid)</a:t>
             </a:r>
           </a:p>
           <a:p>
@@ -3476,7 +3604,8 @@
               <a:defRPr sz="1800"/>
             </a:pPr>
             <a:r>
-              <a:t>`alpha_schedule` decays from 0.9 to 0.2 across Stage 1, gradually handing control from the template to exploratory sampling.</a:t>
+              <a:rPr lang="en-US" sz="1800" dirty="0"/>
+              <a:t>Start with a mix of seed and random logits:</a:t>
             </a:r>
           </a:p>
           <a:p>
@@ -3484,15 +3613,169 @@
               <a:defRPr sz="1800"/>
             </a:pPr>
             <a:r>
-              <a:t>`init_mixed_logits` blends seed logits with Gaussian noise so protected residues remain near the template and free residues start de novo.</a:t>
-            </a:r>
+              <a:rPr lang="en-US" sz="1800" dirty="0"/>
+              <a:t>Guided positions are the residues we want to preserve from the seed binder (typically hotspots or structural anchors)</a:t>
+            </a:r>
+            <a:endParaRPr lang="en-SG" i="1" dirty="0"/>
           </a:p>
           <a:p>
             <a:pPr>
               <a:defRPr sz="1800"/>
             </a:pPr>
             <a:r>
-              <a:t>An optional KL prior keeps guided positions close to the seed in the first iterations and then tapers off to enable exploration once confidence increases.</a:t>
+              <a:rPr i="1" dirty="0" err="1"/>
+              <a:t>guided_mask</a:t>
+            </a:r>
+            <a:r>
+              <a:rPr i="1" dirty="0"/>
+              <a:t> </a:t>
+            </a:r>
+            <a:r>
+              <a:rPr dirty="0"/>
+              <a:t>randomly marks a user-defined fraction of residues (default 50%) as </a:t>
+            </a:r>
+            <a:r>
+              <a:rPr lang="en-SG" dirty="0"/>
+              <a:t>guided,</a:t>
+            </a:r>
+            <a:r>
+              <a:rPr dirty="0"/>
+              <a:t> these positions start near the template and receive KL </a:t>
+            </a:r>
+            <a:r>
+              <a:rPr dirty="0" err="1"/>
+              <a:t>regulari</a:t>
+            </a:r>
+            <a:r>
+              <a:rPr lang="en-SG" dirty="0"/>
+              <a:t>s</a:t>
+            </a:r>
+            <a:r>
+              <a:rPr dirty="0" err="1"/>
+              <a:t>ation</a:t>
+            </a:r>
+            <a:r>
+              <a:rPr dirty="0"/>
+              <a:t> early on.</a:t>
+            </a:r>
+            <a:r>
+              <a:rPr lang="en-SG" dirty="0"/>
+              <a:t> (</a:t>
+            </a:r>
+            <a:r>
+              <a:rPr lang="en-SG" sz="1800" dirty="0"/>
+              <a:t>Kullback-Leibler divergence </a:t>
+            </a:r>
+            <a:r>
+              <a:rPr lang="en-SG" dirty="0"/>
+              <a:t>measures how far the current distribution deviates from reference, keep guided sites close to reference through a KL penalty)</a:t>
+            </a:r>
+            <a:endParaRPr dirty="0"/>
+          </a:p>
+          <a:p>
+            <a:pPr>
+              <a:defRPr sz="1800"/>
+            </a:pPr>
+            <a:r>
+              <a:rPr lang="en-SG" sz="1800" i="1" dirty="0" err="1"/>
+              <a:t>guided_seed_ratio</a:t>
+            </a:r>
+            <a:r>
+              <a:rPr lang="en-SG" sz="1800" i="1" dirty="0"/>
+              <a:t> </a:t>
+            </a:r>
+            <a:r>
+              <a:rPr lang="en-US" sz="1800" dirty="0"/>
+              <a:t>is the linear decay used to mix the seed logits with random noise during Stage 1. At iteration t (out of </a:t>
+            </a:r>
+            <a:r>
+              <a:rPr lang="en-US" sz="1800" dirty="0" err="1"/>
+              <a:t>t_max</a:t>
+            </a:r>
+            <a:r>
+              <a:rPr lang="en-US" sz="1800" dirty="0"/>
+              <a:t> steps) it returns </a:t>
+            </a:r>
+            <a:r>
+              <a:rPr lang="en-US" sz="1800" dirty="0" err="1"/>
+              <a:t>seed_ratio</a:t>
+            </a:r>
+            <a:r>
+              <a:rPr lang="en-US" sz="1800" dirty="0"/>
+              <a:t>(t) = </a:t>
+            </a:r>
+            <a:r>
+              <a:rPr lang="en-US" sz="1800" dirty="0" err="1"/>
+              <a:t>seed_ratio_start</a:t>
+            </a:r>
+            <a:r>
+              <a:rPr lang="en-US" sz="1800" dirty="0"/>
+              <a:t>+ (</a:t>
+            </a:r>
+            <a:r>
+              <a:rPr lang="en-US" sz="1800" dirty="0" err="1"/>
+              <a:t>seed_ratio_end</a:t>
+            </a:r>
+            <a:r>
+              <a:rPr lang="en-US" sz="1800" dirty="0"/>
+              <a:t> – </a:t>
+            </a:r>
+            <a:r>
+              <a:rPr lang="en-US" sz="1800" dirty="0" err="1"/>
+              <a:t>seed_ratio_start</a:t>
+            </a:r>
+            <a:r>
+              <a:rPr lang="en-US" sz="1800" dirty="0"/>
+              <a:t>) * (t / </a:t>
+            </a:r>
+            <a:r>
+              <a:rPr lang="en-US" sz="1800" dirty="0" err="1"/>
+              <a:t>t_max</a:t>
+            </a:r>
+            <a:r>
+              <a:rPr lang="en-US" sz="1800" dirty="0"/>
+              <a:t>) With defaults  </a:t>
+            </a:r>
+            <a:r>
+              <a:rPr lang="en-US" sz="1800" dirty="0" err="1"/>
+              <a:t>seed_ratio_start</a:t>
+            </a:r>
+            <a:r>
+              <a:rPr lang="en-US" sz="1800" dirty="0"/>
+              <a:t> = 0.9 and  </a:t>
+            </a:r>
+            <a:r>
+              <a:rPr lang="en-US" sz="1800" dirty="0" err="1"/>
+              <a:t>seed_ratio_end</a:t>
+            </a:r>
+            <a:r>
+              <a:rPr lang="en-US" sz="1800" dirty="0"/>
+              <a:t> = 0.2, the guided residues start 90 % seed / 10 % random and gradually relax toward 20 % seed / 80 % random by the end of Stage 1. Unguided positions ignore this (α=0), so they’re purely random from the beginning </a:t>
+            </a:r>
+          </a:p>
+          <a:p>
+            <a:pPr>
+              <a:defRPr sz="1800"/>
+            </a:pPr>
+            <a:r>
+              <a:rPr i="1" dirty="0" err="1"/>
+              <a:t>init_mixed_logits</a:t>
+            </a:r>
+            <a:r>
+              <a:rPr i="1" dirty="0"/>
+              <a:t> </a:t>
+            </a:r>
+            <a:r>
+              <a:rPr dirty="0"/>
+              <a:t>blends seed logits with Gaussian noise so </a:t>
+            </a:r>
+            <a:r>
+              <a:rPr lang="en-SG" dirty="0"/>
+              <a:t>guided</a:t>
+            </a:r>
+            <a:r>
+              <a:rPr dirty="0"/>
+              <a:t> residues remain near the template and free residues start de novo.</a:t>
             </a:r>
           </a:p>
         </p:txBody>
@@ -3562,7 +3845,20 @@
               <a:defRPr sz="1800"/>
             </a:pPr>
             <a:r>
-              <a:t>Stage 1 includes 50 base iterations plus 25 extra logits refinements, during which the seed/noise blend is optimized via AF2 gradients.</a:t>
+              <a:rPr dirty="0"/>
+              <a:t>Stage 1 includes 50 base iterations plus 25 extra logits refinements, during which the seed/noise blend is </a:t>
+            </a:r>
+            <a:r>
+              <a:rPr dirty="0" err="1"/>
+              <a:t>optimi</a:t>
+            </a:r>
+            <a:r>
+              <a:rPr lang="en-SG" dirty="0"/>
+              <a:t>s</a:t>
+            </a:r>
+            <a:r>
+              <a:rPr dirty="0"/>
+              <a:t>ed via AF2 gradients.</a:t>
             </a:r>
           </a:p>
           <a:p>
@@ -3570,6 +3866,7 @@
               <a:defRPr sz="1800"/>
             </a:pPr>
             <a:r>
+              <a:rPr dirty="0"/>
               <a:t>Callbacks before and after each AF2 step respectively re-blend logits with the seed and apply KL gradients when enabled, keeping guided residues anchored early in training.</a:t>
             </a:r>
           </a:p>
@@ -3578,7 +3875,16 @@
               <a:defRPr sz="1800"/>
             </a:pPr>
             <a:r>
-              <a:t>Per-iteration metrics (loss, interface contact scores, pLDDT) are logged, and a counter displays Stage 1 progress directly in the notebook output.</a:t>
+              <a:rPr dirty="0"/>
+              <a:t>Per-iteration metrics (loss, interface contact scores, </a:t>
+            </a:r>
+            <a:r>
+              <a:rPr dirty="0" err="1"/>
+              <a:t>pLDDT</a:t>
+            </a:r>
+            <a:r>
+              <a:rPr dirty="0"/>
+              <a:t>) are logged</a:t>
             </a:r>
           </a:p>
         </p:txBody>
@@ -3624,8 +3930,22 @@
           <a:lstStyle/>
           <a:p>
             <a:r>
-              <a:t>Stages 2 &amp; 3</a:t>
-            </a:r>
+              <a:rPr dirty="0"/>
+              <a:t>Stage</a:t>
+            </a:r>
+            <a:r>
+              <a:rPr lang="en-SG" dirty="0"/>
+              <a:t> 2: </a:t>
+            </a:r>
+            <a:r>
+              <a:rPr lang="en-SG" dirty="0" err="1"/>
+              <a:t>Softmax</a:t>
+            </a:r>
+            <a:r>
+              <a:rPr lang="en-SG" dirty="0"/>
+              <a:t> Anneal </a:t>
+            </a:r>
+            <a:endParaRPr dirty="0"/>
           </a:p>
         </p:txBody>
       </p:sp>
@@ -3639,24 +3959,127 @@
             <p:ph idx="1"/>
           </p:nvPr>
         </p:nvSpPr>
-        <p:spPr/>
-        <p:txBody>
-          <a:bodyPr/>
+        <p:spPr>
+          <a:xfrm>
+            <a:off x="397565" y="1255644"/>
+            <a:ext cx="10972800" cy="4983161"/>
+          </a:xfrm>
+        </p:spPr>
+        <p:txBody>
+          <a:bodyPr>
+            <a:noAutofit/>
+          </a:bodyPr>
           <a:lstStyle/>
           <a:p>
             <a:pPr>
               <a:defRPr sz="1800"/>
             </a:pPr>
             <a:r>
-              <a:t>Stage 2 performs a 45-step temperature anneal from 1.0 to 0.05, sharpening amino-acid probabilities and encouraging decisive residue selection at each position.</a:t>
-            </a:r>
+              <a:rPr lang="en-US" sz="1800" dirty="0" err="1"/>
+              <a:t>Softmax</a:t>
+            </a:r>
+            <a:r>
+              <a:rPr lang="en-US" sz="1800" dirty="0"/>
+              <a:t> temperature is a scalar multiplier applied to logits before </a:t>
+            </a:r>
+            <a:r>
+              <a:rPr lang="en-US" sz="1800" dirty="0" err="1"/>
+              <a:t>softmax</a:t>
+            </a:r>
+            <a:r>
+              <a:rPr lang="en-US" sz="1800" dirty="0"/>
+              <a:t> to control how ‘sharp’ or ‘flat’ the resulting probability distribution is:</a:t>
+            </a:r>
+          </a:p>
+          <a:p>
+            <a:pPr lvl="1">
+              <a:defRPr sz="1800"/>
+            </a:pPr>
+            <a:r>
+              <a:rPr lang="en-US" sz="1800" dirty="0" err="1"/>
+              <a:t>softmax</a:t>
+            </a:r>
+            <a:r>
+              <a:rPr lang="en-US" sz="1800" dirty="0"/>
+              <a:t>(logits / T) with T &gt; 1 (high temperature) spreads probability mass more evenly (more exploration)</a:t>
+            </a:r>
+          </a:p>
+          <a:p>
+            <a:pPr lvl="1">
+              <a:defRPr sz="1800"/>
+            </a:pPr>
+            <a:r>
+              <a:rPr lang="en-US" sz="1800" dirty="0"/>
+              <a:t>T &lt; 1 sharpens the distribution, concentrating probability on the largest logits (make use of current best option)</a:t>
+            </a:r>
+          </a:p>
+          <a:p>
+            <a:pPr lvl="1">
+              <a:defRPr sz="1800"/>
+            </a:pPr>
+            <a:r>
+              <a:rPr lang="en-US" sz="1800" dirty="0"/>
+              <a:t>As T → 0, </a:t>
+            </a:r>
+            <a:r>
+              <a:rPr lang="en-US" sz="1800" dirty="0" err="1"/>
+              <a:t>softmax</a:t>
+            </a:r>
+            <a:r>
+              <a:rPr lang="en-US" sz="1800" dirty="0"/>
+              <a:t> approaches an argmax; as T → ∞, it approaches a uniform distribution. (argmax returns the input value that yields that largest output value of a function. For a vector x, argmax(x) is the position where x reaches its maximum value. In sequence design, applying argmax to the amino-acid logits picks the single residue with highest score at each position.)</a:t>
+            </a:r>
+            <a:endParaRPr lang="en-SG" sz="1800" dirty="0"/>
+          </a:p>
+          <a:p>
+            <a:r>
+              <a:rPr lang="en-SG" sz="1800" dirty="0"/>
+              <a:t>Simulated annealing </a:t>
+            </a:r>
+            <a:r>
+              <a:rPr lang="en-US" sz="1800" dirty="0"/>
+              <a:t>is a probabilistic technique for approximating the global optimum of a given function, slowly decreasing the probability of accepting worse solutions as the solution space is explored.</a:t>
+            </a:r>
+            <a:endParaRPr lang="en-SG" sz="1800" dirty="0"/>
           </a:p>
           <a:p>
             <a:pPr>
               <a:defRPr sz="1800"/>
             </a:pPr>
             <a:r>
-              <a:t>Stage 3 follows with five straight-through (hard) steps at a low temperature (1e-2), effectively locking in discrete amino acids while still leveraging AF2 gradients.</a:t>
+              <a:rPr sz="1800" dirty="0"/>
+              <a:t>Stage 2 performs a 45-step </a:t>
+            </a:r>
+            <a:r>
+              <a:rPr lang="en-SG" sz="1800" dirty="0" err="1"/>
+              <a:t>softmax</a:t>
+            </a:r>
+            <a:r>
+              <a:rPr lang="en-SG" sz="1800" dirty="0"/>
+              <a:t> </a:t>
+            </a:r>
+            <a:r>
+              <a:rPr sz="1800" dirty="0"/>
+              <a:t>temperature anneal from 1.0 to 0.05, sharpening amino-acid probabilities and encouraging decisive residue selection at each position.</a:t>
+            </a:r>
+            <a:endParaRPr lang="en-SG" sz="1800" dirty="0"/>
+          </a:p>
+          <a:p>
+            <a:pPr lvl="1">
+              <a:defRPr sz="1800"/>
+            </a:pPr>
+            <a:r>
+              <a:rPr lang="en-US" sz="1800" dirty="0"/>
+              <a:t>At high temperature the distribution is diffuse (more exploratory), as we lower it, the distribution sharpens toward the top-scoring residues.</a:t>
+            </a:r>
+          </a:p>
+          <a:p>
+            <a:pPr lvl="1">
+              <a:defRPr sz="1800"/>
+            </a:pPr>
+            <a:r>
+              <a:rPr lang="en-US" sz="1800" dirty="0"/>
+              <a:t>Gradual temperature cooling makes the sequence commit to specific amino acids while still letting gradients adjust the logits</a:t>
             </a:r>
           </a:p>
           <a:p>
@@ -3664,11 +4087,59 @@
               <a:defRPr sz="1800"/>
             </a:pPr>
             <a:r>
-              <a:t>The notebook pins AlphaFold to model index 0 and uses `num_models=1`, `sample_models=False` for reproducible behavior across runs.</a:t>
-            </a:r>
-          </a:p>
-        </p:txBody>
-      </p:sp>
+              <a:rPr lang="en-US" sz="1800" dirty="0"/>
+              <a:t>By the end of Stage 2, we now have fairly sharp probabilities</a:t>
+            </a:r>
+          </a:p>
+        </p:txBody>
+      </p:sp>
+      <p:pic>
+        <p:nvPicPr>
+          <p:cNvPr id="3074" name="Picture 2" descr="Deep Dive into Softmax Regression | Towards Data Science">
+            <a:extLst>
+              <a:ext uri="{FF2B5EF4-FFF2-40B4-BE49-F238E27FC236}">
+                <a16:creationId xmlns:a16="http://schemas.microsoft.com/office/drawing/2014/main" id="{39726DA6-2E3F-4561-D934-9CB1C69749AA}"/>
+              </a:ext>
+            </a:extLst>
+          </p:cNvPr>
+          <p:cNvPicPr>
+            <a:picLocks noChangeAspect="1" noChangeArrowheads="1"/>
+          </p:cNvPicPr>
+          <p:nvPr/>
+        </p:nvPicPr>
+        <p:blipFill>
+          <a:blip r:embed="rId2">
+            <a:extLst>
+              <a:ext uri="{28A0092B-C50C-407E-A947-70E740481C1C}">
+                <a14:useLocalDpi xmlns:a14="http://schemas.microsoft.com/office/drawing/2010/main" val="0"/>
+              </a:ext>
+            </a:extLst>
+          </a:blip>
+          <a:srcRect/>
+          <a:stretch>
+            <a:fillRect/>
+          </a:stretch>
+        </p:blipFill>
+        <p:spPr bwMode="auto">
+          <a:xfrm>
+            <a:off x="9552071" y="110264"/>
+            <a:ext cx="1887752" cy="1017862"/>
+          </a:xfrm>
+          <a:prstGeom prst="rect">
+            <a:avLst/>
+          </a:prstGeom>
+          <a:noFill/>
+          <a:extLst>
+            <a:ext uri="{909E8E84-426E-40DD-AFC4-6F175D3DCCD1}">
+              <a14:hiddenFill xmlns:a14="http://schemas.microsoft.com/office/drawing/2010/main">
+                <a:solidFill>
+                  <a:srgbClr val="FFFFFF"/>
+                </a:solidFill>
+              </a14:hiddenFill>
+            </a:ext>
+          </a:extLst>
+        </p:spPr>
+      </p:pic>
     </p:spTree>
   </p:cSld>
   <p:clrMapOvr>
@@ -3696,7 +4167,13 @@
       </p:grpSpPr>
       <p:sp>
         <p:nvSpPr>
-          <p:cNvPr id="2" name="Title 1"/>
+          <p:cNvPr id="2" name="Title 1">
+            <a:extLst>
+              <a:ext uri="{FF2B5EF4-FFF2-40B4-BE49-F238E27FC236}">
+                <a16:creationId xmlns:a16="http://schemas.microsoft.com/office/drawing/2014/main" id="{06B48BC4-14B7-062E-9CAD-5E84BAF9E9C6}"/>
+              </a:ext>
+            </a:extLst>
+          </p:cNvPr>
           <p:cNvSpPr>
             <a:spLocks noGrp="1"/>
           </p:cNvSpPr>
@@ -3704,20 +4181,32 @@
             <p:ph type="title"/>
           </p:nvPr>
         </p:nvSpPr>
-        <p:spPr/>
+        <p:spPr>
+          <a:xfrm>
+            <a:off x="609600" y="167595"/>
+            <a:ext cx="10972800" cy="1143000"/>
+          </a:xfrm>
+        </p:spPr>
         <p:txBody>
           <a:bodyPr/>
           <a:lstStyle/>
           <a:p>
             <a:r>
-              <a:t>Stage 4: Semi-greedy</a:t>
-            </a:r>
-          </a:p>
-        </p:txBody>
-      </p:sp>
-      <p:sp>
-        <p:nvSpPr>
-          <p:cNvPr id="3" name="Content Placeholder 2"/>
+              <a:rPr lang="en-SG" dirty="0"/>
+              <a:t>Stage 3:</a:t>
+            </a:r>
+          </a:p>
+        </p:txBody>
+      </p:sp>
+      <p:sp>
+        <p:nvSpPr>
+          <p:cNvPr id="3" name="Content Placeholder 2">
+            <a:extLst>
+              <a:ext uri="{FF2B5EF4-FFF2-40B4-BE49-F238E27FC236}">
+                <a16:creationId xmlns:a16="http://schemas.microsoft.com/office/drawing/2014/main" id="{DDA68B37-2B07-6DDA-4CA8-41C4B881C989}"/>
+              </a:ext>
+            </a:extLst>
+          </p:cNvPr>
           <p:cNvSpPr>
             <a:spLocks noGrp="1"/>
           </p:cNvSpPr>
@@ -3725,37 +4214,277 @@
             <p:ph idx="1"/>
           </p:nvPr>
         </p:nvSpPr>
-        <p:spPr/>
-        <p:txBody>
-          <a:bodyPr/>
-          <a:lstStyle/>
-          <a:p>
-            <a:pPr>
-              <a:defRPr sz="1800"/>
+        <p:spPr>
+          <a:xfrm>
+            <a:off x="377687" y="977349"/>
+            <a:ext cx="10972800" cy="4525963"/>
+          </a:xfrm>
+        </p:spPr>
+        <p:txBody>
+          <a:bodyPr>
+            <a:noAutofit/>
+          </a:bodyPr>
+          <a:lstStyle/>
+          <a:p>
+            <a:r>
+              <a:rPr lang="en-US" sz="1600" dirty="0"/>
+              <a:t>Stage 3 is a bridge between continuous </a:t>
+            </a:r>
+            <a:r>
+              <a:rPr lang="en-US" sz="1600" dirty="0" err="1"/>
+              <a:t>optimisation</a:t>
+            </a:r>
+            <a:r>
+              <a:rPr lang="en-US" sz="1600" dirty="0"/>
+              <a:t> and the fully discrete semi-greedy search that follow</a:t>
+            </a:r>
+          </a:p>
+          <a:p>
+            <a:r>
+              <a:rPr lang="en-US" sz="1600" dirty="0"/>
+              <a:t>Stage 3 uses a straight-through estimator to convert each position into a one-hot amino acid choice (hard, almost discrete)</a:t>
+            </a:r>
+          </a:p>
+          <a:p>
+            <a:r>
+              <a:rPr lang="en-US" sz="1600" dirty="0"/>
+              <a:t>Forward pass: Use a hard one-hot vector (the argmax choice)</a:t>
+            </a:r>
+          </a:p>
+          <a:p>
+            <a:pPr marL="971550" lvl="1" indent="-514350">
+              <a:buFont typeface="+mj-lt"/>
+              <a:buAutoNum type="arabicPeriod"/>
             </a:pPr>
             <a:r>
-              <a:t>Stage 4 executes a semi-greedy search: mutate roughly 5% of the binder positions per proposal, optionally biasing guided residues toward the seed amino acid.</a:t>
-            </a:r>
-          </a:p>
-          <a:p>
-            <a:pPr>
-              <a:defRPr sz="1800"/>
+              <a:rPr lang="en-US" sz="1600" dirty="0"/>
+              <a:t>Start from the current logits (post Stage 2).</a:t>
+            </a:r>
+          </a:p>
+          <a:p>
+            <a:pPr marL="971550" lvl="1" indent="-514350">
+              <a:buFont typeface="+mj-lt"/>
+              <a:buAutoNum type="arabicPeriod"/>
             </a:pPr>
             <a:r>
-              <a:t>Each candidate mutation is evaluated using `model.predict(..., models=[0])`, providing a fresh AF2 auxiliary dictionary before comparing losses.</a:t>
-            </a:r>
-          </a:p>
-          <a:p>
-            <a:pPr>
-              <a:defRPr sz="1800"/>
+              <a:rPr lang="en-US" sz="1600" dirty="0"/>
+              <a:t>Apply a very low-temperature </a:t>
+            </a:r>
+            <a:r>
+              <a:rPr lang="en-US" sz="1600" dirty="0" err="1"/>
+              <a:t>softmax</a:t>
+            </a:r>
+            <a:r>
+              <a:rPr lang="en-US" sz="1600" dirty="0"/>
+              <a:t> (~=10⁻²) and take argmax at each position to get a one-hot amino-acid choice</a:t>
+            </a:r>
+          </a:p>
+          <a:p>
+            <a:pPr marL="971550" lvl="1" indent="-514350">
+              <a:buFont typeface="+mj-lt"/>
+              <a:buAutoNum type="arabicPeriod"/>
             </a:pPr>
             <a:r>
-              <a:t>The best candidate per iteration replaces the current sequence, metrics are updated, and a counter logs accepted losses and stage progress.</a:t>
-            </a:r>
-          </a:p>
-        </p:txBody>
-      </p:sp>
+              <a:rPr lang="en-US" sz="1600" dirty="0"/>
+              <a:t>Feed this hard sequence into AlphaFold to get structure predictions and the loss</a:t>
+            </a:r>
+          </a:p>
+          <a:p>
+            <a:r>
+              <a:rPr lang="en-SG" sz="1600" dirty="0"/>
+              <a:t>Backward pass: Substitute </a:t>
+            </a:r>
+            <a:r>
+              <a:rPr lang="en-US" sz="1600" dirty="0"/>
+              <a:t>derivative of the underlying </a:t>
+            </a:r>
+            <a:r>
+              <a:rPr lang="en-US" sz="1600" dirty="0" err="1"/>
+              <a:t>softmax</a:t>
+            </a:r>
+            <a:r>
+              <a:rPr lang="en-US" sz="1600" dirty="0"/>
+              <a:t> so the gradients behave as if the probabilities were still continuous</a:t>
+            </a:r>
+          </a:p>
+          <a:p>
+            <a:pPr lvl="1"/>
+            <a:r>
+              <a:rPr lang="en-US" sz="1600" dirty="0"/>
+              <a:t>To backpropagate, pretend the discrete step was the original </a:t>
+            </a:r>
+            <a:r>
+              <a:rPr lang="en-US" sz="1600" dirty="0" err="1"/>
+              <a:t>softmax</a:t>
+            </a:r>
+            <a:r>
+              <a:rPr lang="en-US" sz="1600" dirty="0"/>
+              <a:t>: use the straight-through estimator so gradients are computed </a:t>
+            </a:r>
+            <a:r>
+              <a:rPr lang="en-US" sz="1600" dirty="0" err="1"/>
+              <a:t>w.r.t.</a:t>
+            </a:r>
+            <a:r>
+              <a:rPr lang="en-US" sz="1600" dirty="0"/>
+              <a:t> the logits as if the </a:t>
+            </a:r>
+            <a:r>
+              <a:rPr lang="en-US" sz="1600" dirty="0" err="1"/>
+              <a:t>softmax</a:t>
+            </a:r>
+            <a:r>
+              <a:rPr lang="en-US" sz="1600" dirty="0"/>
+              <a:t> were continuous</a:t>
+            </a:r>
+          </a:p>
+          <a:p>
+            <a:pPr lvl="1"/>
+            <a:r>
+              <a:rPr lang="en-US" sz="1600" dirty="0"/>
+              <a:t>Replace the true derivative of the hard argmax (which is zero almost everywhere) with the derivative of a </a:t>
+            </a:r>
+            <a:r>
+              <a:rPr lang="en-US" sz="1600" dirty="0" err="1"/>
+              <a:t>softmax</a:t>
+            </a:r>
+            <a:r>
+              <a:rPr lang="en-US" sz="1600" dirty="0"/>
+              <a:t> at very low temperature</a:t>
+            </a:r>
+          </a:p>
+          <a:p>
+            <a:pPr lvl="2"/>
+            <a:r>
+              <a:rPr lang="en-SG" sz="1600" dirty="0"/>
+              <a:t>Substitute“∂ argmax / ∂ logits” (zero) with “∂ </a:t>
+            </a:r>
+            <a:r>
+              <a:rPr lang="en-SG" sz="1600" dirty="0" err="1"/>
+              <a:t>softmax</a:t>
+            </a:r>
+            <a:r>
+              <a:rPr lang="en-SG" sz="1600" dirty="0"/>
+              <a:t> / ∂ logits”</a:t>
+            </a:r>
+            <a:endParaRPr lang="en-US" sz="1600" dirty="0"/>
+          </a:p>
+          <a:p>
+            <a:pPr lvl="1"/>
+            <a:r>
+              <a:rPr lang="en-US" sz="1600" dirty="0"/>
+              <a:t>The </a:t>
+            </a:r>
+            <a:r>
+              <a:rPr lang="en-US" sz="1600" dirty="0" err="1"/>
+              <a:t>optimiser</a:t>
+            </a:r>
+            <a:r>
+              <a:rPr lang="en-US" sz="1600" dirty="0"/>
+              <a:t> updates the logits based on those gradients.</a:t>
+            </a:r>
+          </a:p>
+          <a:p>
+            <a:pPr lvl="1"/>
+            <a:r>
+              <a:rPr lang="en-US" sz="1600" dirty="0"/>
+              <a:t>After the update, reapply the hardening (argmax at low temperature) for the next forward pass</a:t>
+            </a:r>
+          </a:p>
+          <a:p>
+            <a:pPr lvl="1"/>
+            <a:r>
+              <a:rPr lang="en-US" sz="1600" dirty="0"/>
+              <a:t>This lets AlphaFold’s gradient signal reach the logits, nudging them even though the sequence you fed into the model is discrete</a:t>
+            </a:r>
+          </a:p>
+          <a:p>
+            <a:pPr lvl="1"/>
+            <a:r>
+              <a:rPr lang="en-US" sz="1600" dirty="0"/>
+              <a:t>Once the update is applied, we re-</a:t>
+            </a:r>
+            <a:r>
+              <a:rPr lang="en-US" sz="1600" dirty="0" err="1"/>
+              <a:t>discretise</a:t>
+            </a:r>
+            <a:r>
+              <a:rPr lang="en-US" sz="1600" dirty="0"/>
+              <a:t> for the next forward pass</a:t>
+            </a:r>
+          </a:p>
+          <a:p>
+            <a:r>
+              <a:rPr lang="en-US" sz="1600" dirty="0"/>
+              <a:t>At the end of Stage 3, we have a concrete, low-entropy sequence: each position has a specific amino acid locked in from the straight‑through passes, and the accompanying logits are already tuned by AF2’s gradients. It hands Stage 4 a discrete binder that’s been polished by differentiable </a:t>
+            </a:r>
+            <a:r>
+              <a:rPr lang="en-US" sz="1600" dirty="0" err="1"/>
+              <a:t>optimisation</a:t>
+            </a:r>
+            <a:r>
+              <a:rPr lang="en-US" sz="1600" dirty="0"/>
+              <a:t>, ready for semi-greedy mutation refinements.</a:t>
+            </a:r>
+          </a:p>
+          <a:p>
+            <a:endParaRPr lang="en-SG" sz="1600" dirty="0"/>
+          </a:p>
+        </p:txBody>
+      </p:sp>
+      <p:pic>
+        <p:nvPicPr>
+          <p:cNvPr id="2050" name="Picture 2" descr="Gradient Descent vs. Backpropagation: What's the Difference?">
+            <a:extLst>
+              <a:ext uri="{FF2B5EF4-FFF2-40B4-BE49-F238E27FC236}">
+                <a16:creationId xmlns:a16="http://schemas.microsoft.com/office/drawing/2014/main" id="{B319EAA8-8657-0524-8F84-63A51DCE3E2B}"/>
+              </a:ext>
+            </a:extLst>
+          </p:cNvPr>
+          <p:cNvPicPr>
+            <a:picLocks noChangeAspect="1" noChangeArrowheads="1"/>
+          </p:cNvPicPr>
+          <p:nvPr/>
+        </p:nvPicPr>
+        <p:blipFill>
+          <a:blip r:embed="rId2">
+            <a:extLst>
+              <a:ext uri="{28A0092B-C50C-407E-A947-70E740481C1C}">
+                <a14:useLocalDpi xmlns:a14="http://schemas.microsoft.com/office/drawing/2010/main" val="0"/>
+              </a:ext>
+            </a:extLst>
+          </a:blip>
+          <a:srcRect/>
+          <a:stretch>
+            <a:fillRect/>
+          </a:stretch>
+        </p:blipFill>
+        <p:spPr bwMode="auto">
+          <a:xfrm>
+            <a:off x="9786592" y="171253"/>
+            <a:ext cx="1742799" cy="863101"/>
+          </a:xfrm>
+          <a:prstGeom prst="rect">
+            <a:avLst/>
+          </a:prstGeom>
+          <a:noFill/>
+          <a:extLst>
+            <a:ext uri="{909E8E84-426E-40DD-AFC4-6F175D3DCCD1}">
+              <a14:hiddenFill xmlns:a14="http://schemas.microsoft.com/office/drawing/2010/main">
+                <a:solidFill>
+                  <a:srgbClr val="FFFFFF"/>
+                </a:solidFill>
+              </a14:hiddenFill>
+            </a:ext>
+          </a:extLst>
+        </p:spPr>
+      </p:pic>
     </p:spTree>
+    <p:extLst>
+      <p:ext uri="{BB962C8B-B14F-4D97-AF65-F5344CB8AC3E}">
+        <p14:creationId xmlns:p14="http://schemas.microsoft.com/office/powerpoint/2010/main" val="3487369791"/>
+      </p:ext>
+    </p:extLst>
   </p:cSld>
   <p:clrMapOvr>
     <a:masterClrMapping/>
@@ -3790,14 +4519,25 @@
             <p:ph type="title"/>
           </p:nvPr>
         </p:nvSpPr>
-        <p:spPr/>
+        <p:spPr>
+          <a:xfrm>
+            <a:off x="609600" y="-119270"/>
+            <a:ext cx="10972800" cy="1143000"/>
+          </a:xfrm>
+        </p:spPr>
         <p:txBody>
           <a:bodyPr/>
           <a:lstStyle/>
           <a:p>
             <a:r>
-              <a:t>Outputs</a:t>
-            </a:r>
+              <a:rPr dirty="0"/>
+              <a:t>Stage 4: Semi-greedy</a:t>
+            </a:r>
+            <a:r>
+              <a:rPr lang="en-SG" dirty="0"/>
+              <a:t> Refinement</a:t>
+            </a:r>
+            <a:endParaRPr dirty="0"/>
           </a:p>
         </p:txBody>
       </p:sp>
@@ -3811,33 +4551,186 @@
             <p:ph idx="1"/>
           </p:nvPr>
         </p:nvSpPr>
-        <p:spPr/>
-        <p:txBody>
-          <a:bodyPr/>
+        <p:spPr>
+          <a:xfrm>
+            <a:off x="609600" y="814836"/>
+            <a:ext cx="10972800" cy="5605842"/>
+          </a:xfrm>
+        </p:spPr>
+        <p:txBody>
+          <a:bodyPr>
+            <a:noAutofit/>
+          </a:bodyPr>
           <a:lstStyle/>
           <a:p>
             <a:pPr>
               <a:defRPr sz="1800"/>
             </a:pPr>
             <a:r>
-              <a:t>Upon completion, Mutacraft saves the best binder sequence (`best_binder.fasta`), the predicted binder-target complex (`best_complex.pdb`), and the full metrics table (`metrics.csv`).</a:t>
-            </a:r>
-          </a:p>
-          <a:p>
-            <a:pPr>
+              <a:rPr sz="1600" dirty="0"/>
+              <a:t>Stage 4 executes a semi-greedy search: mutate roughly 5% of the binder positions per proposal, optionally biasing guided residues toward the seed amino acid.</a:t>
+            </a:r>
+            <a:endParaRPr lang="en-SG" sz="1600" dirty="0"/>
+          </a:p>
+          <a:p>
+            <a:pPr lvl="1">
               <a:defRPr sz="1800"/>
             </a:pPr>
             <a:r>
-              <a:t>Outputs are grouped under the configured run directory (e.g., `Results/MutaCraft/HL6_VHH_run/hybrid/`), keeping experiments isolated and reproducible.</a:t>
-            </a:r>
-          </a:p>
-          <a:p>
-            <a:pPr>
+              <a:rPr lang="en-SG" sz="1600" dirty="0"/>
+              <a:t>Semi-greedy: Greedy=Make the best immediate choice at every step, Semi-greedy=Pick the best choice out of a few proposals</a:t>
+            </a:r>
+          </a:p>
+          <a:p>
+            <a:pPr lvl="2">
               <a:defRPr sz="1800"/>
             </a:pPr>
             <a:r>
-              <a:t>Because the notebook is exploratory, no automatic acceptance filter is imposed—users review metrics or integrate external filters as needed.</a:t>
-            </a:r>
+              <a:rPr lang="en-US" sz="1600" dirty="0"/>
+              <a:t>Greedy selection: each iteration keeps only the single best-scoring candidate among all mutations we tried, so the working sequence never gets worse</a:t>
+            </a:r>
+          </a:p>
+          <a:p>
+            <a:pPr lvl="2">
+              <a:defRPr sz="1800"/>
+            </a:pPr>
+            <a:r>
+              <a:rPr lang="en-US" sz="1600" dirty="0"/>
+              <a:t>Semi (batch) proposals</a:t>
+            </a:r>
+            <a:r>
+              <a:rPr lang="en-US" sz="1600" b="1" dirty="0"/>
+              <a:t>:</a:t>
+            </a:r>
+            <a:r>
+              <a:rPr lang="en-US" sz="1600" dirty="0"/>
+              <a:t> instead of mutating one residue at a time like a strict greedy hill climb, we sample small batches of positions and try several mutation combinations per iteration. We choose the best of those batches. </a:t>
+            </a:r>
+            <a:endParaRPr sz="1600" dirty="0"/>
+          </a:p>
+          <a:p>
+            <a:r>
+              <a:rPr lang="en-US" sz="1600" dirty="0"/>
+              <a:t>Pick mutation sites smartly:</a:t>
+            </a:r>
+          </a:p>
+          <a:p>
+            <a:pPr lvl="1"/>
+            <a:r>
+              <a:rPr lang="en-US" sz="1600" dirty="0"/>
+              <a:t> Compute binder </a:t>
+            </a:r>
+            <a:r>
+              <a:rPr lang="en-US" sz="1600" dirty="0" err="1"/>
+              <a:t>pLDDT</a:t>
+            </a:r>
+            <a:r>
+              <a:rPr lang="en-US" sz="1600" dirty="0"/>
+              <a:t> from the latest AF2 run. Positions with lower </a:t>
+            </a:r>
+            <a:r>
+              <a:rPr lang="en-US" sz="1600" dirty="0" err="1"/>
+              <a:t>pLDDT</a:t>
+            </a:r>
+            <a:r>
+              <a:rPr lang="en-US" sz="1600" dirty="0"/>
+              <a:t> get higher mutation probability, focusing edits where the model is least certain. We mutate ≈MUT_RATE × </a:t>
+            </a:r>
+            <a:r>
+              <a:rPr lang="en-US" sz="1600" dirty="0" err="1"/>
+              <a:t>binder_len</a:t>
+            </a:r>
+            <a:r>
+              <a:rPr lang="en-US" sz="1600" dirty="0"/>
+              <a:t> residues per trial (at least one).</a:t>
+            </a:r>
+          </a:p>
+          <a:p>
+            <a:r>
+              <a:rPr lang="en-US" sz="1600" b="1" dirty="0"/>
+              <a:t>Generate proposals.</a:t>
+            </a:r>
+            <a:r>
+              <a:rPr lang="en-US" sz="1600" dirty="0"/>
+              <a:t> For each of several tries (roughly twice the number of mutations) we:</a:t>
+            </a:r>
+          </a:p>
+          <a:p>
+            <a:pPr lvl="1"/>
+            <a:r>
+              <a:rPr lang="en-US" sz="1600" dirty="0"/>
+              <a:t>sample a set of positions from this </a:t>
+            </a:r>
+            <a:r>
+              <a:rPr lang="en-US" sz="1600" dirty="0" err="1"/>
+              <a:t>pLDDT</a:t>
+            </a:r>
+            <a:r>
+              <a:rPr lang="en-US" sz="1600" dirty="0"/>
+              <a:t>-weighted distribution,</a:t>
+            </a:r>
+          </a:p>
+          <a:p>
+            <a:pPr lvl="1"/>
+            <a:r>
+              <a:rPr lang="en-US" sz="1600" dirty="0"/>
+              <a:t>mutate each by drawing an amino acid from the current </a:t>
+            </a:r>
+            <a:r>
+              <a:rPr lang="en-US" sz="1600" dirty="0" err="1"/>
+              <a:t>softmax</a:t>
+            </a:r>
+            <a:r>
+              <a:rPr lang="en-US" sz="1600" dirty="0"/>
+              <a:t> distribution (with optional seed bias on guided sites)</a:t>
+            </a:r>
+          </a:p>
+          <a:p>
+            <a:pPr lvl="1"/>
+            <a:r>
+              <a:rPr lang="en-US" sz="1600" dirty="0"/>
+              <a:t>evaluate the candidate by running AF2 in hard mode (low temperature).</a:t>
+            </a:r>
+          </a:p>
+          <a:p>
+            <a:r>
+              <a:rPr lang="en-US" sz="1600" b="1" dirty="0"/>
+              <a:t>Keep the best candidate.</a:t>
+            </a:r>
+            <a:r>
+              <a:rPr lang="en-US" sz="1600" dirty="0"/>
+              <a:t> Among the proposals we retain the one with lowest loss, replacing the current sequence if it improves (or if the previous loss was </a:t>
+            </a:r>
+            <a:r>
+              <a:rPr lang="en-US" sz="1600" dirty="0" err="1"/>
+              <a:t>NaN</a:t>
+            </a:r>
+            <a:r>
+              <a:rPr lang="en-US" sz="1600" dirty="0"/>
+              <a:t>/∞). This repeats for </a:t>
+            </a:r>
+            <a:r>
+              <a:rPr lang="en-US" sz="1600" i="1" dirty="0"/>
+              <a:t>STAGE4_ITERS</a:t>
+            </a:r>
+            <a:r>
+              <a:rPr lang="en-US" sz="1600" dirty="0"/>
+              <a:t>.</a:t>
+            </a:r>
+          </a:p>
+          <a:p>
+            <a:r>
+              <a:rPr lang="en-US" sz="1600" b="1" dirty="0"/>
+              <a:t>Log metrics.</a:t>
+            </a:r>
+            <a:r>
+              <a:rPr lang="en-US" sz="1600" dirty="0"/>
+              <a:t> Each accepted or rejected move is recorded; the global best sequence/binder is tracked across the stage.</a:t>
+            </a:r>
+            <a:br>
+              <a:rPr lang="en-US" sz="1600" dirty="0"/>
+            </a:br>
+            <a:endParaRPr sz="1600" dirty="0"/>
           </a:p>
         </p:txBody>
       </p:sp>
@@ -3882,7 +4775,7 @@
           <a:lstStyle/>
           <a:p>
             <a:r>
-              <a:t>Limits &amp; Enhancements</a:t>
+              <a:t>Outputs</a:t>
             </a:r>
           </a:p>
         </p:txBody>
@@ -3906,38 +4799,52 @@
               <a:defRPr sz="1800"/>
             </a:pPr>
             <a:r>
+              <a:rPr dirty="0"/>
+              <a:t>Upon completion, </a:t>
+            </a:r>
+            <a:r>
               <a:rPr dirty="0" err="1"/>
-              <a:t>ProteinMPNN</a:t>
+              <a:t>Mutacraft</a:t>
             </a:r>
             <a:r>
               <a:rPr dirty="0"/>
-              <a:t> integration is not yet included; adding a post-AF2 MPNN pass is a natural next step for sequence diversification.</a:t>
-            </a:r>
-          </a:p>
-          <a:p>
-            <a:pPr>
-              <a:defRPr sz="1800"/>
-            </a:pPr>
+              <a:t> saves the best binder sequence (</a:t>
+            </a:r>
+            <a:r>
+              <a:rPr i="1" dirty="0" err="1"/>
+              <a:t>best_binder.fasta</a:t>
+            </a:r>
             <a:r>
               <a:rPr dirty="0"/>
-              <a:t>Only model 0 is used currently. Future versions could reintroduce model ensembles, stricter acceptance filters, or a CLI for batch screening.</a:t>
-            </a:r>
-          </a:p>
-          <a:p>
-            <a:pPr>
-              <a:defRPr sz="1800"/>
-            </a:pPr>
+              <a:t>), the </a:t>
+            </a:r>
+            <a:r>
+              <a:rPr lang="en-SG" dirty="0"/>
+              <a:t>AF2 </a:t>
+            </a:r>
             <a:r>
               <a:rPr dirty="0"/>
-              <a:t>Further enhancements might include AlphaFold multimer protocols, automated scoring thresholds, or links into </a:t>
-            </a:r>
-            <a:r>
-              <a:rPr dirty="0" err="1"/>
-              <a:t>BindCraft’s</a:t>
+              <a:t>predicted binder-target complex (</a:t>
+            </a:r>
+            <a:r>
+              <a:rPr i="1" dirty="0"/>
+              <a:t>best_complex.pdb</a:t>
+            </a:r>
+            <a:r>
+              <a:rPr lang="en-SG" dirty="0"/>
+              <a:t>, Chain A is target, B is binder</a:t>
             </a:r>
             <a:r>
               <a:rPr dirty="0"/>
-              <a:t> full pipeline.</a:t>
+              <a:t>), and the full metrics table (</a:t>
+            </a:r>
+            <a:r>
+              <a:rPr i="1" dirty="0"/>
+              <a:t>metrics.csv</a:t>
+            </a:r>
+            <a:r>
+              <a:rPr dirty="0"/>
+              <a:t>).</a:t>
             </a:r>
           </a:p>
         </p:txBody>
@@ -4008,7 +4915,15 @@
             </a:pPr>
             <a:r>
               <a:rPr dirty="0"/>
-              <a:t>Adjusting the guided fraction, alpha schedule, and KL prior allows precise control over how much of the template is preserved versus reinvented.</a:t>
+              <a:t>Adjusting the guided fraction, </a:t>
+            </a:r>
+            <a:r>
+              <a:rPr lang="en-SG" i="1" dirty="0" err="1"/>
+              <a:t>guided_seed_ratio</a:t>
+            </a:r>
+            <a:r>
+              <a:rPr dirty="0"/>
+              <a:t>, and KL prior allows precise control over how much of the template is preserved versus reinvented.</a:t>
             </a:r>
           </a:p>
           <a:p>
@@ -4095,7 +5010,12 @@
             <p:ph idx="1"/>
           </p:nvPr>
         </p:nvSpPr>
-        <p:spPr/>
+        <p:spPr>
+          <a:xfrm>
+            <a:off x="609600" y="1023731"/>
+            <a:ext cx="10972800" cy="4525963"/>
+          </a:xfrm>
+        </p:spPr>
         <p:txBody>
           <a:bodyPr/>
           <a:lstStyle/>
@@ -4106,7 +5026,7 @@
             </a:r>
             <a:r>
               <a:rPr lang="en-US" dirty="0"/>
-              <a:t>can drift away from </a:t>
+              <a:t>may drift away from </a:t>
             </a:r>
             <a:r>
               <a:rPr lang="en-SG" dirty="0"/>
@@ -4134,6 +5054,53 @@
           </a:p>
         </p:txBody>
       </p:sp>
+      <p:pic>
+        <p:nvPicPr>
+          <p:cNvPr id="1026" name="Picture 2" descr="Local &amp; Global Minima Explained with Examples - Analytics Yogi">
+            <a:extLst>
+              <a:ext uri="{FF2B5EF4-FFF2-40B4-BE49-F238E27FC236}">
+                <a16:creationId xmlns:a16="http://schemas.microsoft.com/office/drawing/2014/main" id="{74DB61FB-691E-4816-1133-5DA297DE16C8}"/>
+              </a:ext>
+            </a:extLst>
+          </p:cNvPr>
+          <p:cNvPicPr>
+            <a:picLocks noChangeAspect="1" noChangeArrowheads="1"/>
+          </p:cNvPicPr>
+          <p:nvPr/>
+        </p:nvPicPr>
+        <p:blipFill>
+          <a:blip r:embed="rId2">
+            <a:extLst>
+              <a:ext uri="{28A0092B-C50C-407E-A947-70E740481C1C}">
+                <a14:useLocalDpi xmlns:a14="http://schemas.microsoft.com/office/drawing/2010/main" val="0"/>
+              </a:ext>
+            </a:extLst>
+          </a:blip>
+          <a:srcRect/>
+          <a:stretch>
+            <a:fillRect/>
+          </a:stretch>
+        </p:blipFill>
+        <p:spPr bwMode="auto">
+          <a:xfrm>
+            <a:off x="7131326" y="4833082"/>
+            <a:ext cx="3092725" cy="1946598"/>
+          </a:xfrm>
+          <a:prstGeom prst="rect">
+            <a:avLst/>
+          </a:prstGeom>
+          <a:noFill/>
+          <a:extLst>
+            <a:ext uri="{909E8E84-426E-40DD-AFC4-6F175D3DCCD1}">
+              <a14:hiddenFill xmlns:a14="http://schemas.microsoft.com/office/drawing/2010/main">
+                <a:solidFill>
+                  <a:srgbClr val="FFFFFF"/>
+                </a:solidFill>
+              </a14:hiddenFill>
+            </a:ext>
+          </a:extLst>
+        </p:spPr>
+      </p:pic>
     </p:spTree>
     <p:extLst>
       <p:ext uri="{BB962C8B-B14F-4D97-AF65-F5344CB8AC3E}">
@@ -4180,7 +5147,12 @@
             <p:ph type="title"/>
           </p:nvPr>
         </p:nvSpPr>
-        <p:spPr/>
+        <p:spPr>
+          <a:xfrm>
+            <a:off x="609600" y="-162339"/>
+            <a:ext cx="10972800" cy="1143000"/>
+          </a:xfrm>
+        </p:spPr>
         <p:txBody>
           <a:bodyPr/>
           <a:lstStyle/>
@@ -4212,10 +5184,32 @@
             <p:ph idx="1"/>
           </p:nvPr>
         </p:nvSpPr>
-        <p:spPr/>
+        <p:spPr>
+          <a:xfrm>
+            <a:off x="609600" y="776253"/>
+            <a:ext cx="10972800" cy="4525963"/>
+          </a:xfrm>
+        </p:spPr>
         <p:txBody>
           <a:bodyPr/>
           <a:lstStyle/>
+          <a:p>
+            <a:pPr marL="0" indent="0">
+              <a:buNone/>
+            </a:pPr>
+            <a:r>
+              <a:rPr lang="en-SG" dirty="0"/>
+              <a:t>Doesn’t make use of </a:t>
+            </a:r>
+            <a:r>
+              <a:rPr lang="en-SG" dirty="0" err="1"/>
+              <a:t>BindCraft</a:t>
+            </a:r>
+            <a:r>
+              <a:rPr lang="en-SG" dirty="0"/>
+              <a:t> code/scripts, uses a new procedure:</a:t>
+            </a:r>
+          </a:p>
           <a:p>
             <a:pPr marL="514350" indent="-514350">
               <a:buFont typeface="+mj-lt"/>
@@ -4247,7 +5241,15 @@
             </a:pPr>
             <a:r>
               <a:rPr lang="en-SG" dirty="0"/>
-              <a:t>Perform 4-stage AlphaFold2 optimisation passes </a:t>
+              <a:t>Perform 4-stage AlphaFold2 optimisation passes (edited from </a:t>
+            </a:r>
+            <a:r>
+              <a:rPr lang="en-SG" dirty="0" err="1"/>
+              <a:t>BindCraft</a:t>
+            </a:r>
+            <a:r>
+              <a:rPr lang="en-SG" dirty="0"/>
+              <a:t>)</a:t>
             </a:r>
           </a:p>
           <a:p>
@@ -4262,6 +5264,344 @@
           </a:p>
         </p:txBody>
       </p:sp>
+      <p:sp>
+        <p:nvSpPr>
+          <p:cNvPr id="4" name="Oval 3">
+            <a:extLst>
+              <a:ext uri="{FF2B5EF4-FFF2-40B4-BE49-F238E27FC236}">
+                <a16:creationId xmlns:a16="http://schemas.microsoft.com/office/drawing/2014/main" id="{CB0FC8E3-E2BF-4713-C618-DE0A80833146}"/>
+              </a:ext>
+            </a:extLst>
+          </p:cNvPr>
+          <p:cNvSpPr/>
+          <p:nvPr/>
+        </p:nvSpPr>
+        <p:spPr>
+          <a:xfrm>
+            <a:off x="6917634" y="4658138"/>
+            <a:ext cx="927653" cy="927653"/>
+          </a:xfrm>
+          <a:prstGeom prst="ellipse">
+            <a:avLst/>
+          </a:prstGeom>
+          <a:solidFill>
+            <a:srgbClr val="00B050"/>
+          </a:solidFill>
+        </p:spPr>
+        <p:style>
+          <a:lnRef idx="1">
+            <a:schemeClr val="accent1"/>
+          </a:lnRef>
+          <a:fillRef idx="3">
+            <a:schemeClr val="accent1"/>
+          </a:fillRef>
+          <a:effectRef idx="2">
+            <a:schemeClr val="accent1"/>
+          </a:effectRef>
+          <a:fontRef idx="minor">
+            <a:schemeClr val="lt1"/>
+          </a:fontRef>
+        </p:style>
+        <p:txBody>
+          <a:bodyPr rtlCol="0" anchor="ctr"/>
+          <a:lstStyle/>
+          <a:p>
+            <a:pPr algn="ctr"/>
+            <a:endParaRPr lang="en-SG">
+              <a:solidFill>
+                <a:srgbClr val="FF0000"/>
+              </a:solidFill>
+            </a:endParaRPr>
+          </a:p>
+        </p:txBody>
+      </p:sp>
+      <p:sp>
+        <p:nvSpPr>
+          <p:cNvPr id="5" name="Oval 4">
+            <a:extLst>
+              <a:ext uri="{FF2B5EF4-FFF2-40B4-BE49-F238E27FC236}">
+                <a16:creationId xmlns:a16="http://schemas.microsoft.com/office/drawing/2014/main" id="{6CEFF35D-77FA-4412-83B8-0C00FBBFE728}"/>
+              </a:ext>
+            </a:extLst>
+          </p:cNvPr>
+          <p:cNvSpPr/>
+          <p:nvPr/>
+        </p:nvSpPr>
+        <p:spPr>
+          <a:xfrm>
+            <a:off x="7997687" y="4658138"/>
+            <a:ext cx="927653" cy="927653"/>
+          </a:xfrm>
+          <a:prstGeom prst="ellipse">
+            <a:avLst/>
+          </a:prstGeom>
+          <a:solidFill>
+            <a:srgbClr val="00B050"/>
+          </a:solidFill>
+        </p:spPr>
+        <p:style>
+          <a:lnRef idx="1">
+            <a:schemeClr val="accent1"/>
+          </a:lnRef>
+          <a:fillRef idx="3">
+            <a:schemeClr val="accent1"/>
+          </a:fillRef>
+          <a:effectRef idx="2">
+            <a:schemeClr val="accent1"/>
+          </a:effectRef>
+          <a:fontRef idx="minor">
+            <a:schemeClr val="lt1"/>
+          </a:fontRef>
+        </p:style>
+        <p:txBody>
+          <a:bodyPr rtlCol="0" anchor="ctr"/>
+          <a:lstStyle/>
+          <a:p>
+            <a:pPr algn="ctr"/>
+            <a:endParaRPr lang="en-SG">
+              <a:solidFill>
+                <a:srgbClr val="FF0000"/>
+              </a:solidFill>
+            </a:endParaRPr>
+          </a:p>
+        </p:txBody>
+      </p:sp>
+      <p:sp>
+        <p:nvSpPr>
+          <p:cNvPr id="6" name="Oval 5">
+            <a:extLst>
+              <a:ext uri="{FF2B5EF4-FFF2-40B4-BE49-F238E27FC236}">
+                <a16:creationId xmlns:a16="http://schemas.microsoft.com/office/drawing/2014/main" id="{1982DD90-1652-BB11-6F48-38A2D6EA1DD5}"/>
+              </a:ext>
+            </a:extLst>
+          </p:cNvPr>
+          <p:cNvSpPr/>
+          <p:nvPr/>
+        </p:nvSpPr>
+        <p:spPr>
+          <a:xfrm>
+            <a:off x="9077740" y="4658137"/>
+            <a:ext cx="927653" cy="927653"/>
+          </a:xfrm>
+          <a:prstGeom prst="ellipse">
+            <a:avLst/>
+          </a:prstGeom>
+        </p:spPr>
+        <p:style>
+          <a:lnRef idx="1">
+            <a:schemeClr val="accent1"/>
+          </a:lnRef>
+          <a:fillRef idx="3">
+            <a:schemeClr val="accent1"/>
+          </a:fillRef>
+          <a:effectRef idx="2">
+            <a:schemeClr val="accent1"/>
+          </a:effectRef>
+          <a:fontRef idx="minor">
+            <a:schemeClr val="lt1"/>
+          </a:fontRef>
+        </p:style>
+        <p:txBody>
+          <a:bodyPr rtlCol="0" anchor="ctr"/>
+          <a:lstStyle/>
+          <a:p>
+            <a:pPr algn="ctr"/>
+            <a:endParaRPr lang="en-SG"/>
+          </a:p>
+        </p:txBody>
+      </p:sp>
+      <p:sp>
+        <p:nvSpPr>
+          <p:cNvPr id="7" name="Oval 6">
+            <a:extLst>
+              <a:ext uri="{FF2B5EF4-FFF2-40B4-BE49-F238E27FC236}">
+                <a16:creationId xmlns:a16="http://schemas.microsoft.com/office/drawing/2014/main" id="{921595FA-9A3F-D652-682A-24C86B73F2F2}"/>
+              </a:ext>
+            </a:extLst>
+          </p:cNvPr>
+          <p:cNvSpPr/>
+          <p:nvPr/>
+        </p:nvSpPr>
+        <p:spPr>
+          <a:xfrm>
+            <a:off x="10260495" y="4658138"/>
+            <a:ext cx="927653" cy="927653"/>
+          </a:xfrm>
+          <a:prstGeom prst="ellipse">
+            <a:avLst/>
+          </a:prstGeom>
+        </p:spPr>
+        <p:style>
+          <a:lnRef idx="1">
+            <a:schemeClr val="accent1"/>
+          </a:lnRef>
+          <a:fillRef idx="3">
+            <a:schemeClr val="accent1"/>
+          </a:fillRef>
+          <a:effectRef idx="2">
+            <a:schemeClr val="accent1"/>
+          </a:effectRef>
+          <a:fontRef idx="minor">
+            <a:schemeClr val="lt1"/>
+          </a:fontRef>
+        </p:style>
+        <p:txBody>
+          <a:bodyPr rtlCol="0" anchor="ctr"/>
+          <a:lstStyle/>
+          <a:p>
+            <a:pPr algn="ctr"/>
+            <a:endParaRPr lang="en-SG"/>
+          </a:p>
+        </p:txBody>
+      </p:sp>
+      <p:sp>
+        <p:nvSpPr>
+          <p:cNvPr id="8" name="TextBox 7">
+            <a:extLst>
+              <a:ext uri="{FF2B5EF4-FFF2-40B4-BE49-F238E27FC236}">
+                <a16:creationId xmlns:a16="http://schemas.microsoft.com/office/drawing/2014/main" id="{6CC59B1F-5660-2FC1-0786-360F1E91F47B}"/>
+              </a:ext>
+            </a:extLst>
+          </p:cNvPr>
+          <p:cNvSpPr txBox="1"/>
+          <p:nvPr/>
+        </p:nvSpPr>
+        <p:spPr>
+          <a:xfrm>
+            <a:off x="6264964" y="5869366"/>
+            <a:ext cx="2607368" cy="646331"/>
+          </a:xfrm>
+          <a:prstGeom prst="rect">
+            <a:avLst/>
+          </a:prstGeom>
+          <a:noFill/>
+        </p:spPr>
+        <p:txBody>
+          <a:bodyPr wrap="square" rtlCol="0">
+            <a:spAutoFit/>
+          </a:bodyPr>
+          <a:lstStyle/>
+          <a:p>
+            <a:r>
+              <a:rPr lang="en-SG" dirty="0"/>
+              <a:t>Template Binder as Seed: Keep these residues</a:t>
+            </a:r>
+          </a:p>
+        </p:txBody>
+      </p:sp>
+      <p:sp>
+        <p:nvSpPr>
+          <p:cNvPr id="9" name="TextBox 8">
+            <a:extLst>
+              <a:ext uri="{FF2B5EF4-FFF2-40B4-BE49-F238E27FC236}">
+                <a16:creationId xmlns:a16="http://schemas.microsoft.com/office/drawing/2014/main" id="{860DD9C0-DE01-94D6-196F-9371A9128F4F}"/>
+              </a:ext>
+            </a:extLst>
+          </p:cNvPr>
+          <p:cNvSpPr txBox="1"/>
+          <p:nvPr/>
+        </p:nvSpPr>
+        <p:spPr>
+          <a:xfrm>
+            <a:off x="9306338" y="5871476"/>
+            <a:ext cx="1908313" cy="369332"/>
+          </a:xfrm>
+          <a:prstGeom prst="rect">
+            <a:avLst/>
+          </a:prstGeom>
+          <a:noFill/>
+        </p:spPr>
+        <p:txBody>
+          <a:bodyPr wrap="square" rtlCol="0">
+            <a:spAutoFit/>
+          </a:bodyPr>
+          <a:lstStyle/>
+          <a:p>
+            <a:r>
+              <a:rPr lang="en-SG" dirty="0"/>
+              <a:t>Change the rest</a:t>
+            </a:r>
+          </a:p>
+        </p:txBody>
+      </p:sp>
+      <p:cxnSp>
+        <p:nvCxnSpPr>
+          <p:cNvPr id="11" name="Straight Arrow Connector 10">
+            <a:extLst>
+              <a:ext uri="{FF2B5EF4-FFF2-40B4-BE49-F238E27FC236}">
+                <a16:creationId xmlns:a16="http://schemas.microsoft.com/office/drawing/2014/main" id="{D34D63F0-9314-9DE9-8916-9376987749F8}"/>
+              </a:ext>
+            </a:extLst>
+          </p:cNvPr>
+          <p:cNvCxnSpPr/>
+          <p:nvPr/>
+        </p:nvCxnSpPr>
+        <p:spPr>
+          <a:xfrm flipH="1" flipV="1">
+            <a:off x="7593495" y="5585791"/>
+            <a:ext cx="112644" cy="218661"/>
+          </a:xfrm>
+          <a:prstGeom prst="straightConnector1">
+            <a:avLst/>
+          </a:prstGeom>
+          <a:ln>
+            <a:tailEnd type="triangle"/>
+          </a:ln>
+        </p:spPr>
+        <p:style>
+          <a:lnRef idx="2">
+            <a:schemeClr val="accent1"/>
+          </a:lnRef>
+          <a:fillRef idx="0">
+            <a:schemeClr val="accent1"/>
+          </a:fillRef>
+          <a:effectRef idx="1">
+            <a:schemeClr val="accent1"/>
+          </a:effectRef>
+          <a:fontRef idx="minor">
+            <a:schemeClr val="tx1"/>
+          </a:fontRef>
+        </p:style>
+      </p:cxnSp>
+      <p:cxnSp>
+        <p:nvCxnSpPr>
+          <p:cNvPr id="13" name="Straight Arrow Connector 12">
+            <a:extLst>
+              <a:ext uri="{FF2B5EF4-FFF2-40B4-BE49-F238E27FC236}">
+                <a16:creationId xmlns:a16="http://schemas.microsoft.com/office/drawing/2014/main" id="{EDEEA8BD-7B0B-CA41-5747-80A9A9BE5991}"/>
+              </a:ext>
+            </a:extLst>
+          </p:cNvPr>
+          <p:cNvCxnSpPr/>
+          <p:nvPr/>
+        </p:nvCxnSpPr>
+        <p:spPr>
+          <a:xfrm flipV="1">
+            <a:off x="7845287" y="5585791"/>
+            <a:ext cx="231913" cy="218661"/>
+          </a:xfrm>
+          <a:prstGeom prst="straightConnector1">
+            <a:avLst/>
+          </a:prstGeom>
+          <a:ln>
+            <a:tailEnd type="triangle"/>
+          </a:ln>
+        </p:spPr>
+        <p:style>
+          <a:lnRef idx="2">
+            <a:schemeClr val="accent1"/>
+          </a:lnRef>
+          <a:fillRef idx="0">
+            <a:schemeClr val="accent1"/>
+          </a:fillRef>
+          <a:effectRef idx="1">
+            <a:schemeClr val="accent1"/>
+          </a:effectRef>
+          <a:fontRef idx="minor">
+            <a:schemeClr val="tx1"/>
+          </a:fontRef>
+        </p:style>
+      </p:cxnSp>
     </p:spTree>
     <p:extLst>
       <p:ext uri="{BB962C8B-B14F-4D97-AF65-F5344CB8AC3E}">
@@ -4336,7 +5676,12 @@
             <p:ph idx="1"/>
           </p:nvPr>
         </p:nvSpPr>
-        <p:spPr/>
+        <p:spPr>
+          <a:xfrm>
+            <a:off x="609600" y="1195664"/>
+            <a:ext cx="10972800" cy="4525963"/>
+          </a:xfrm>
+        </p:spPr>
         <p:txBody>
           <a:bodyPr/>
           <a:lstStyle/>
@@ -4353,7 +5698,14 @@
           <a:p>
             <a:r>
               <a:rPr lang="en-US" dirty="0"/>
-              <a:t>Target protein: Human lysozyme</a:t>
+              <a:t>Target protein: Human lysozyme </a:t>
+            </a:r>
+          </a:p>
+          <a:p>
+            <a:pPr lvl="1"/>
+            <a:r>
+              <a:rPr lang="en-US" dirty="0"/>
+              <a:t>Chosen as it’s a small, and well-studied, stable protein</a:t>
             </a:r>
           </a:p>
           <a:p>
@@ -4373,7 +5725,7 @@
             </a:r>
             <a:r>
               <a:rPr lang="en-US" dirty="0"/>
-              <a:t> by letting it generate mutants using HL6 as the seed, then evaluated them</a:t>
+              <a:t> by letting it generate binders using HL6 as the seed, then evaluated them</a:t>
             </a:r>
           </a:p>
           <a:p>
@@ -4673,12 +6025,14 @@
         </p:nvSpPr>
         <p:spPr/>
         <p:txBody>
-          <a:bodyPr/>
+          <a:bodyPr>
+            <a:normAutofit fontScale="90000"/>
+          </a:bodyPr>
           <a:lstStyle/>
           <a:p>
             <a:r>
               <a:rPr lang="en-SG" dirty="0"/>
-              <a:t>Results (Scored using AF &amp; Rosetta)</a:t>
+              <a:t>Results (Re-predicted &amp; Scored using AF2 &amp; Rosetta)</a:t>
             </a:r>
             <a:endParaRPr dirty="0"/>
           </a:p>
@@ -5697,8 +7051,8 @@
         </p:nvSpPr>
         <p:spPr>
           <a:xfrm>
-            <a:off x="371061" y="3938489"/>
-            <a:ext cx="11699019" cy="3416320"/>
+            <a:off x="371061" y="3698956"/>
+            <a:ext cx="11699019" cy="3785652"/>
           </a:xfrm>
           <a:prstGeom prst="rect">
             <a:avLst/>
@@ -5710,6 +7064,16 @@
             <a:spAutoFit/>
           </a:bodyPr>
           <a:lstStyle/>
+          <a:p>
+            <a:pPr marL="285750" indent="-285750">
+              <a:buFont typeface="Arial" panose="020B0604020202020204" pitchFamily="34" charset="0"/>
+              <a:buChar char="•"/>
+            </a:pPr>
+            <a:r>
+              <a:rPr lang="en-SG" sz="2400" dirty="0"/>
+              <a:t>I re-predicted the binder &amp; complex w/ AF2, then scored w/ AF2 &amp; Rosetta:</a:t>
+            </a:r>
+          </a:p>
           <a:p>
             <a:pPr marL="285750" indent="-285750">
               <a:buFont typeface="Arial" panose="020B0604020202020204" pitchFamily="34" charset="0"/>
@@ -5954,7 +7318,7 @@
           <a:p>
             <a:r>
               <a:rPr lang="en-SG" dirty="0"/>
-              <a:t>Results</a:t>
+              <a:t>Results Analysis</a:t>
             </a:r>
           </a:p>
         </p:txBody>
@@ -5997,14 +7361,22 @@
             </a:r>
             <a:r>
               <a:rPr lang="en-US" dirty="0"/>
-              <a:t> preserved HL6 hotspot contacts</a:t>
+              <a:t> preserved Template Binder’s hotspot contacts</a:t>
             </a:r>
           </a:p>
           <a:p>
             <a:pPr lvl="1"/>
             <a:r>
               <a:rPr lang="en-US" dirty="0"/>
-              <a:t>The KL prior kept them stable during Stage 1</a:t>
+              <a:t>The KL prior kept them stable during Stage 1 (Kullback-Leibler (KL) </a:t>
+            </a:r>
+            <a:r>
+              <a:rPr lang="en-US" dirty="0" err="1"/>
+              <a:t>regularisation</a:t>
+            </a:r>
+            <a:r>
+              <a:rPr lang="en-US" dirty="0"/>
+              <a:t> term keeps the distribution near the seed early on)</a:t>
             </a:r>
           </a:p>
           <a:p>
@@ -6096,7 +7468,7 @@
         <p:spPr/>
         <p:txBody>
           <a:bodyPr>
-            <a:normAutofit fontScale="92500" lnSpcReduction="20000"/>
+            <a:normAutofit fontScale="85000" lnSpcReduction="20000"/>
           </a:bodyPr>
           <a:lstStyle/>
           <a:p>
@@ -6226,6 +7598,12 @@
               <a:t>BindCraft</a:t>
             </a:r>
             <a:endParaRPr lang="en-SG" dirty="0"/>
+          </a:p>
+          <a:p>
+            <a:r>
+              <a:rPr lang="en-SG" dirty="0"/>
+              <a:t>Independent evaluation w/ Boltz2, etc.</a:t>
+            </a:r>
           </a:p>
         </p:txBody>
       </p:sp>
